--- a/hkmy-01157165+01157163.pptx
+++ b/hkmy-01157165+01157163.pptx
@@ -4072,7 +4072,7 @@
               <a:buNone/>
             </a:pPr>
             <a:r>
-              <a:rPr lang="en-US" sz="2187" b="1" dirty="0">
+              <a:rPr lang="en-US" sz="2187" b="1" dirty="0" err="1">
                 <a:solidFill>
                   <a:srgbClr val="2D4DF2"/>
                 </a:solidFill>
@@ -4080,7 +4080,7 @@
                 <a:ea typeface="Nunito" pitchFamily="34" charset="-122"/>
                 <a:cs typeface="Nunito" pitchFamily="34" charset="-120"/>
               </a:rPr>
-              <a:t>解決方法：</a:t>
+              <a:t>解決方法</a:t>
             </a:r>
             <a:endParaRPr lang="en-US" sz="2187" dirty="0"/>
           </a:p>
@@ -4327,7 +4327,7 @@
         </p:nvSpPr>
         <p:spPr>
           <a:xfrm>
-            <a:off x="6319599" y="4709041"/>
+            <a:off x="6319599" y="5068860"/>
             <a:ext cx="2221944" cy="347186"/>
           </a:xfrm>
           <a:prstGeom prst="rect">
@@ -4347,7 +4347,7 @@
               <a:buNone/>
             </a:pPr>
             <a:r>
-              <a:rPr lang="en-US" sz="2187" b="1" dirty="0">
+              <a:rPr lang="en-US" sz="2187" b="1" dirty="0" err="1">
                 <a:solidFill>
                   <a:srgbClr val="015F98"/>
                 </a:solidFill>
@@ -4355,7 +4355,7 @@
                 <a:ea typeface="Nunito" pitchFamily="34" charset="-122"/>
                 <a:cs typeface="Nunito" pitchFamily="34" charset="-120"/>
               </a:rPr>
-              <a:t>解決方法：</a:t>
+              <a:t>解決方法</a:t>
             </a:r>
             <a:endParaRPr lang="en-US" sz="2187" dirty="0"/>
           </a:p>
@@ -4369,7 +4369,7 @@
         </p:nvSpPr>
         <p:spPr>
           <a:xfrm>
-            <a:off x="6319599" y="5189458"/>
+            <a:off x="6319599" y="5549277"/>
             <a:ext cx="3820001" cy="710803"/>
           </a:xfrm>
           <a:prstGeom prst="rect">

--- a/hkmy-01157165+01157163.pptx
+++ b/hkmy-01157165+01157163.pptx
@@ -144,7 +144,7 @@
     </p:spTree>
     <p:extLst>
       <p:ext uri="{BB962C8B-B14F-4D97-AF65-F5344CB8AC3E}">
-        <p14:creationId xmlns:p14="http://schemas.microsoft.com/office/powerpoint/2010/main" val="3143886254"/>
+        <p14:creationId xmlns:p14="http://schemas.microsoft.com/office/powerpoint/2010/main" val="937567588"/>
       </p:ext>
     </p:extLst>
   </p:cSld>
@@ -2437,12 +2437,7 @@
               <a:alpha val="75000"/>
             </a:srgbClr>
           </a:solidFill>
-          <a:ln w="55483">
-            <a:solidFill>
-              <a:srgbClr val="DFDFEB"/>
-            </a:solidFill>
-            <a:prstDash val="solid"/>
-          </a:ln>
+          <a:ln/>
         </p:spPr>
         <p:txBody>
           <a:bodyPr/>
@@ -2484,7 +2479,7 @@
         </p:nvSpPr>
         <p:spPr>
           <a:xfrm>
-            <a:off x="6319599" y="1143595"/>
+            <a:off x="6319599" y="1112996"/>
             <a:ext cx="4443889" cy="694373"/>
           </a:xfrm>
           <a:prstGeom prst="rect">
@@ -2526,7 +2521,7 @@
         </p:nvSpPr>
         <p:spPr>
           <a:xfrm>
-            <a:off x="6319599" y="2393394"/>
+            <a:off x="6319599" y="2362795"/>
             <a:ext cx="2666286" cy="416481"/>
           </a:xfrm>
           <a:prstGeom prst="rect">
@@ -2568,7 +2563,7 @@
         </p:nvSpPr>
         <p:spPr>
           <a:xfrm>
-            <a:off x="6319599" y="3032046"/>
+            <a:off x="6319599" y="3001447"/>
             <a:ext cx="3467814" cy="710803"/>
           </a:xfrm>
           <a:prstGeom prst="rect">
@@ -2610,7 +2605,7 @@
         </p:nvSpPr>
         <p:spPr>
           <a:xfrm>
-            <a:off x="6319599" y="3965019"/>
+            <a:off x="6319599" y="3934420"/>
             <a:ext cx="2666286" cy="416481"/>
           </a:xfrm>
           <a:prstGeom prst="rect">
@@ -2652,7 +2647,7 @@
         </p:nvSpPr>
         <p:spPr>
           <a:xfrm>
-            <a:off x="6319599" y="4603671"/>
+            <a:off x="6319599" y="4573072"/>
             <a:ext cx="3467814" cy="710803"/>
           </a:xfrm>
           <a:prstGeom prst="rect">
@@ -2694,7 +2689,7 @@
         </p:nvSpPr>
         <p:spPr>
           <a:xfrm>
-            <a:off x="6319599" y="5536644"/>
+            <a:off x="6319599" y="5506045"/>
             <a:ext cx="2666286" cy="416481"/>
           </a:xfrm>
           <a:prstGeom prst="rect">
@@ -2736,7 +2731,7 @@
         </p:nvSpPr>
         <p:spPr>
           <a:xfrm>
-            <a:off x="6319599" y="6175296"/>
+            <a:off x="6319599" y="6144697"/>
             <a:ext cx="3467814" cy="710803"/>
           </a:xfrm>
           <a:prstGeom prst="rect">
@@ -2778,7 +2773,7 @@
         </p:nvSpPr>
         <p:spPr>
           <a:xfrm>
-            <a:off x="10337006" y="2393394"/>
+            <a:off x="10337006" y="2362795"/>
             <a:ext cx="2666286" cy="416481"/>
           </a:xfrm>
           <a:prstGeom prst="rect">
@@ -2820,7 +2815,7 @@
         </p:nvSpPr>
         <p:spPr>
           <a:xfrm>
-            <a:off x="10337006" y="3032046"/>
+            <a:off x="10337006" y="3001447"/>
             <a:ext cx="3467814" cy="355402"/>
           </a:xfrm>
           <a:prstGeom prst="rect">
@@ -2862,7 +2857,7 @@
         </p:nvSpPr>
         <p:spPr>
           <a:xfrm>
-            <a:off x="10337006" y="3609618"/>
+            <a:off x="10337006" y="3579019"/>
             <a:ext cx="2666286" cy="416481"/>
           </a:xfrm>
           <a:prstGeom prst="rect">
@@ -2904,7 +2899,7 @@
         </p:nvSpPr>
         <p:spPr>
           <a:xfrm>
-            <a:off x="10337006" y="4248269"/>
+            <a:off x="10337006" y="4217670"/>
             <a:ext cx="3467814" cy="710803"/>
           </a:xfrm>
           <a:prstGeom prst="rect">
@@ -2933,6 +2928,90 @@
                 <a:cs typeface="PT Sans" pitchFamily="34" charset="-120"/>
               </a:rPr>
               <a:t>添加互動性和動態效果的程式語言。</a:t>
+            </a:r>
+            <a:endParaRPr lang="en-US" sz="1750" dirty="0"/>
+          </a:p>
+        </p:txBody>
+      </p:sp>
+      <p:sp>
+        <p:nvSpPr>
+          <p:cNvPr id="16" name="Text 12"/>
+          <p:cNvSpPr/>
+          <p:nvPr/>
+        </p:nvSpPr>
+        <p:spPr>
+          <a:xfrm>
+            <a:off x="10337006" y="5150644"/>
+            <a:ext cx="3467814" cy="832961"/>
+          </a:xfrm>
+          <a:prstGeom prst="rect">
+            <a:avLst/>
+          </a:prstGeom>
+          <a:noFill/>
+          <a:ln/>
+        </p:spPr>
+        <p:txBody>
+          <a:bodyPr wrap="square" rtlCol="0" anchor="t"/>
+          <a:lstStyle/>
+          <a:p>
+            <a:pPr marL="0" indent="0">
+              <a:lnSpc>
+                <a:spcPts val="3281"/>
+              </a:lnSpc>
+              <a:buNone/>
+            </a:pPr>
+            <a:r>
+              <a:rPr lang="en-US" sz="2624" b="1" dirty="0">
+                <a:solidFill>
+                  <a:srgbClr val="00002E"/>
+                </a:solidFill>
+                <a:latin typeface="Nunito" pitchFamily="34" charset="0"/>
+                <a:ea typeface="Nunito" pitchFamily="34" charset="-122"/>
+                <a:cs typeface="Nunito" pitchFamily="34" charset="-120"/>
+              </a:rPr>
+              <a:t>DOM、Event、AJAX (fetch)</a:t>
+            </a:r>
+            <a:endParaRPr lang="en-US" sz="2624" dirty="0"/>
+          </a:p>
+        </p:txBody>
+      </p:sp>
+      <p:sp>
+        <p:nvSpPr>
+          <p:cNvPr id="17" name="Text 13"/>
+          <p:cNvSpPr/>
+          <p:nvPr/>
+        </p:nvSpPr>
+        <p:spPr>
+          <a:xfrm>
+            <a:off x="10337006" y="6205776"/>
+            <a:ext cx="3467814" cy="710803"/>
+          </a:xfrm>
+          <a:prstGeom prst="rect">
+            <a:avLst/>
+          </a:prstGeom>
+          <a:noFill/>
+          <a:ln/>
+        </p:spPr>
+        <p:txBody>
+          <a:bodyPr wrap="square" rtlCol="0" anchor="t"/>
+          <a:lstStyle/>
+          <a:p>
+            <a:pPr marL="0" indent="0">
+              <a:lnSpc>
+                <a:spcPts val="2799"/>
+              </a:lnSpc>
+              <a:buNone/>
+            </a:pPr>
+            <a:r>
+              <a:rPr lang="en-US" sz="1750" dirty="0">
+                <a:solidFill>
+                  <a:srgbClr val="00002E"/>
+                </a:solidFill>
+                <a:latin typeface="PT Sans" pitchFamily="34" charset="0"/>
+                <a:ea typeface="PT Sans" pitchFamily="34" charset="-122"/>
+                <a:cs typeface="PT Sans" pitchFamily="34" charset="-120"/>
+              </a:rPr>
+              <a:t>讓你的網頁更加生動有趣，以及實現即時數據更新。</a:t>
             </a:r>
             <a:endParaRPr lang="en-US" sz="1750" dirty="0"/>
           </a:p>
@@ -4072,7 +4151,7 @@
               <a:buNone/>
             </a:pPr>
             <a:r>
-              <a:rPr lang="en-US" sz="2187" b="1" dirty="0" err="1">
+              <a:rPr lang="en-US" sz="2187" b="1" dirty="0">
                 <a:solidFill>
                   <a:srgbClr val="2D4DF2"/>
                 </a:solidFill>
@@ -4080,7 +4159,7 @@
                 <a:ea typeface="Nunito" pitchFamily="34" charset="-122"/>
                 <a:cs typeface="Nunito" pitchFamily="34" charset="-120"/>
               </a:rPr>
-              <a:t>解決方法</a:t>
+              <a:t>解決方法：</a:t>
             </a:r>
             <a:endParaRPr lang="en-US" sz="2187" dirty="0"/>
           </a:p>
@@ -4327,7 +4406,7 @@
         </p:nvSpPr>
         <p:spPr>
           <a:xfrm>
-            <a:off x="6319599" y="5068860"/>
+            <a:off x="6320150" y="5071274"/>
             <a:ext cx="2221944" cy="347186"/>
           </a:xfrm>
           <a:prstGeom prst="rect">
@@ -4347,7 +4426,7 @@
               <a:buNone/>
             </a:pPr>
             <a:r>
-              <a:rPr lang="en-US" sz="2187" b="1" dirty="0" err="1">
+              <a:rPr lang="en-US" sz="2187" b="1" dirty="0">
                 <a:solidFill>
                   <a:srgbClr val="015F98"/>
                 </a:solidFill>
@@ -4355,7 +4434,7 @@
                 <a:ea typeface="Nunito" pitchFamily="34" charset="-122"/>
                 <a:cs typeface="Nunito" pitchFamily="34" charset="-120"/>
               </a:rPr>
-              <a:t>解決方法</a:t>
+              <a:t>解決方法：</a:t>
             </a:r>
             <a:endParaRPr lang="en-US" sz="2187" dirty="0"/>
           </a:p>
@@ -4369,7 +4448,7 @@
         </p:nvSpPr>
         <p:spPr>
           <a:xfrm>
-            <a:off x="6319599" y="5549277"/>
+            <a:off x="6318769" y="5544860"/>
             <a:ext cx="3820001" cy="710803"/>
           </a:xfrm>
           <a:prstGeom prst="rect">
